--- a/doc/D3_presentation.pptx
+++ b/doc/D3_presentation.pptx
@@ -9183,7 +9183,7 @@
           <p:nvPr>
             <p:extLst>
               <p:ext uri="{D42A27DB-BD31-4B8C-83A1-F6EECF244321}">
-                <p14:modId xmlns:p14="http://schemas.microsoft.com/office/powerpoint/2010/main" val="30808481"/>
+                <p14:modId xmlns:p14="http://schemas.microsoft.com/office/powerpoint/2010/main" val="1067245794"/>
               </p:ext>
             </p:extLst>
           </p:nvPr>
@@ -9683,7 +9683,7 @@
                     <a:p>
                       <a:r>
                         <a:rPr lang="en-US" dirty="0"/>
-                        <a:t>.97</a:t>
+                        <a:t>.87</a:t>
                       </a:r>
                     </a:p>
                   </a:txBody>
@@ -9695,9 +9695,10 @@
                     <a:lstStyle/>
                     <a:p>
                       <a:r>
-                        <a:rPr lang="en-US" dirty="0"/>
-                        <a:t>.87</a:t>
+                        <a:rPr lang="en-US"/>
+                        <a:t>.97</a:t>
                       </a:r>
+                      <a:endParaRPr lang="en-US" dirty="0"/>
                     </a:p>
                   </a:txBody>
                   <a:tcPr/>

--- a/doc/D3_presentation.pptx
+++ b/doc/D3_presentation.pptx
@@ -5846,7 +5846,7 @@
             <a:pPr algn="ctr"/>
             <a:r>
               <a:rPr lang="en-US" dirty="0"/>
-              <a:t>Original Scoring</a:t>
+              <a:t>Original Scoring with average</a:t>
             </a:r>
           </a:p>
           <a:p>
@@ -14416,13 +14416,13 @@
         </p:nvSpPr>
         <p:spPr>
           <a:xfrm>
-            <a:off x="1173296" y="1687876"/>
-            <a:ext cx="5216487" cy="3870133"/>
+            <a:off x="1173297" y="1687876"/>
+            <a:ext cx="4313104" cy="4382418"/>
           </a:xfrm>
         </p:spPr>
         <p:txBody>
           <a:bodyPr>
-            <a:normAutofit/>
+            <a:normAutofit lnSpcReduction="10000"/>
           </a:bodyPr>
           <a:lstStyle/>
           <a:p>
@@ -14434,38 +14434,51 @@
           <a:p>
             <a:pPr lvl="1"/>
             <a:r>
-              <a:rPr lang="en-US" sz="2800" i="0" dirty="0"/>
+              <a:rPr lang="en-US" sz="2400" i="0" dirty="0"/>
               <a:t>Cartesian pair score</a:t>
             </a:r>
             <a:r>
-              <a:rPr lang="en-US" sz="2800" i="0" baseline="30000" dirty="0"/>
+              <a:rPr lang="en-US" sz="2400" i="0" baseline="30000" dirty="0"/>
               <a:t>1</a:t>
             </a:r>
           </a:p>
           <a:p>
             <a:pPr lvl="2"/>
             <a:r>
-              <a:rPr lang="en-US" sz="2600" dirty="0"/>
+              <a:rPr lang="en-US" sz="2400" dirty="0"/>
               <a:t>Based on probability that 2 words occur in the same sentence</a:t>
             </a:r>
           </a:p>
           <a:p>
             <a:pPr lvl="1"/>
             <a:r>
-              <a:rPr lang="en-US" sz="2800" i="0" dirty="0"/>
+              <a:rPr lang="en-US" sz="2400" i="0" dirty="0"/>
               <a:t>Query word score</a:t>
             </a:r>
           </a:p>
           <a:p>
             <a:pPr lvl="2"/>
             <a:r>
+              <a:rPr lang="en-US" sz="2400" i="0" dirty="0"/>
+              <a:t>Word</a:t>
+            </a:r>
+            <a:r>
+              <a:rPr lang="en-US" sz="2400" dirty="0"/>
+              <a:t> overlap with query (topic narrative or title)</a:t>
+            </a:r>
+          </a:p>
+          <a:p>
+            <a:pPr lvl="1"/>
+            <a:r>
               <a:rPr lang="en-US" sz="2600" i="0" dirty="0"/>
-              <a:t>Word</a:t>
-            </a:r>
-            <a:r>
-              <a:rPr lang="en-US" sz="2600" dirty="0"/>
-              <a:t> overlap with query (topic narrative or title)</a:t>
-            </a:r>
+              <a:t>Average score components instead of sum</a:t>
+            </a:r>
+          </a:p>
+          <a:p>
+            <a:pPr marL="530352" lvl="1" indent="0">
+              <a:buNone/>
+            </a:pPr>
+            <a:endParaRPr lang="en-US" sz="2600" i="0" dirty="0"/>
           </a:p>
         </p:txBody>
       </p:sp>
@@ -14485,7 +14498,7 @@
         </p:nvSpPr>
         <p:spPr>
           <a:xfrm>
-            <a:off x="6588087" y="1687876"/>
+            <a:off x="6566053" y="1687876"/>
             <a:ext cx="5216487" cy="4586230"/>
           </a:xfrm>
           <a:prstGeom prst="rect">
@@ -14696,33 +14709,33 @@
           <a:p>
             <a:pPr lvl="1"/>
             <a:r>
-              <a:rPr lang="en-US" sz="2800" i="0" dirty="0"/>
+              <a:rPr lang="en-US" sz="2400" i="0" dirty="0"/>
               <a:t>Per-article</a:t>
             </a:r>
           </a:p>
           <a:p>
             <a:pPr lvl="2"/>
             <a:r>
-              <a:rPr lang="en-US" sz="2600" dirty="0"/>
+              <a:rPr lang="en-US" sz="2400" dirty="0"/>
               <a:t>Limit to n sentences from each article</a:t>
             </a:r>
           </a:p>
           <a:p>
             <a:pPr lvl="2"/>
             <a:r>
-              <a:rPr lang="en-US" sz="2600" i="0" dirty="0"/>
+              <a:rPr lang="en-US" sz="2400" i="0" dirty="0"/>
               <a:t>Re-weig</a:t>
             </a:r>
             <a:r>
-              <a:rPr lang="en-US" sz="2600" dirty="0"/>
+              <a:rPr lang="en-US" sz="2400" dirty="0"/>
               <a:t>ht probability distribution</a:t>
             </a:r>
             <a:r>
-              <a:rPr lang="en-US" sz="2600" baseline="30000" dirty="0"/>
+              <a:rPr lang="en-US" sz="2400" baseline="30000" dirty="0"/>
               <a:t>2</a:t>
             </a:r>
             <a:r>
-              <a:rPr lang="en-US" sz="2600" dirty="0"/>
+              <a:rPr lang="en-US" sz="2400" dirty="0"/>
               <a:t>:</a:t>
             </a:r>
           </a:p>
@@ -14753,14 +14766,14 @@
           <a:p>
             <a:pPr lvl="1"/>
             <a:r>
-              <a:rPr lang="en-US" sz="2800" i="0" dirty="0"/>
+              <a:rPr lang="en-US" sz="2400" i="0" dirty="0"/>
               <a:t>Global</a:t>
             </a:r>
           </a:p>
           <a:p>
             <a:pPr lvl="2"/>
             <a:r>
-              <a:rPr lang="en-US" sz="2600" dirty="0"/>
+              <a:rPr lang="en-US" sz="2400" dirty="0"/>
               <a:t>Treat all articles as one group of text</a:t>
             </a:r>
           </a:p>
@@ -14797,7 +14810,7 @@
         </p:nvSpPr>
         <p:spPr>
           <a:xfrm>
-            <a:off x="1542361" y="6172200"/>
+            <a:off x="8411378" y="6070294"/>
             <a:ext cx="3371162" cy="646331"/>
           </a:xfrm>
           <a:prstGeom prst="rect">

--- a/doc/D3_presentation.pptx
+++ b/doc/D3_presentation.pptx
@@ -10148,7 +10148,7 @@
           <p:nvPr>
             <p:extLst>
               <p:ext uri="{D42A27DB-BD31-4B8C-83A1-F6EECF244321}">
-                <p14:modId xmlns:p14="http://schemas.microsoft.com/office/powerpoint/2010/main" val="351761842"/>
+                <p14:modId xmlns:p14="http://schemas.microsoft.com/office/powerpoint/2010/main" val="4223716046"/>
               </p:ext>
             </p:extLst>
           </p:nvPr>
@@ -10280,7 +10280,7 @@
                           <a:effectLst/>
                           <a:latin typeface="+mn-lt"/>
                         </a:rPr>
-                        <a:t>0.07821</a:t>
+                        <a:t> 0.07821</a:t>
                       </a:r>
                     </a:p>
                   </a:txBody>
@@ -10327,7 +10327,7 @@
                           <a:effectLst/>
                           <a:latin typeface="+mn-lt"/>
                         </a:rPr>
-                        <a:t>0.07494</a:t>
+                        <a:t> 0.07494</a:t>
                       </a:r>
                     </a:p>
                   </a:txBody>
@@ -10374,7 +10374,7 @@
                           <a:effectLst/>
                           <a:latin typeface="+mn-lt"/>
                         </a:rPr>
-                        <a:t>0.08033</a:t>
+                        <a:t> 0.08033</a:t>
                       </a:r>
                     </a:p>
                   </a:txBody>
@@ -10421,7 +10421,7 @@
                           <a:effectLst/>
                           <a:latin typeface="+mn-lt"/>
                         </a:rPr>
-                        <a:t>0.07179</a:t>
+                        <a:t> 0.07179</a:t>
                       </a:r>
                     </a:p>
                   </a:txBody>
@@ -10468,7 +10468,7 @@
                           <a:effectLst/>
                           <a:latin typeface="+mn-lt"/>
                         </a:rPr>
-                        <a:t>0.08042</a:t>
+                        <a:t> 0.08042</a:t>
                       </a:r>
                     </a:p>
                   </a:txBody>
@@ -10515,7 +10515,7 @@
                           <a:effectLst/>
                           <a:latin typeface="+mn-lt"/>
                         </a:rPr>
-                        <a:t>0.0808</a:t>
+                        <a:t> 0.0808</a:t>
                       </a:r>
                     </a:p>
                   </a:txBody>
@@ -10562,7 +10562,7 @@
                           <a:effectLst/>
                           <a:latin typeface="+mn-lt"/>
                         </a:rPr>
-                        <a:t>0.07978</a:t>
+                        <a:t> 0.07978</a:t>
                       </a:r>
                     </a:p>
                   </a:txBody>
